--- a/QDM065_logs/charts.pptx
+++ b/QDM065_logs/charts.pptx
@@ -32,6 +32,7 @@
     <p:sldId id="280" r:id="rId31"/>
     <p:sldId id="281" r:id="rId32"/>
     <p:sldId id="282" r:id="rId33"/>
+    <p:sldId id="283" r:id="rId34"/>
   </p:sldIdLst>
   <p:sldSz cx="9144000" cy="6858000" type="screen4x3"/>
   <p:notesSz cx="6858000" cy="9144000"/>
@@ -3394,62 +3395,6 @@
         <p:nvPr/>
       </p:nvGrpSpPr>
       <p:grpSpPr/>
-      <p:sp>
-        <p:nvSpPr>
-          <p:cNvPr id="2" name="Title 1"/>
-          <p:cNvSpPr>
-            <a:spLocks noGrp="1"/>
-          </p:cNvSpPr>
-          <p:nvPr>
-            <p:ph type="title"/>
-          </p:nvPr>
-        </p:nvSpPr>
-        <p:spPr/>
-        <p:txBody>
-          <a:bodyPr/>
-          <a:lstStyle/>
-          <a:p>
-            <a:r>
-              <a:t>PCBA_FCT</a:t>
-            </a:r>
-          </a:p>
-        </p:txBody>
-      </p:sp>
-      <p:sp>
-        <p:nvSpPr>
-          <p:cNvPr id="3" name="Content Placeholder 2"/>
-          <p:cNvSpPr>
-            <a:spLocks noGrp="1"/>
-          </p:cNvSpPr>
-          <p:nvPr>
-            <p:ph idx="1"/>
-          </p:nvPr>
-        </p:nvSpPr>
-        <p:spPr/>
-        <p:txBody>
-          <a:bodyPr/>
-          <a:lstStyle/>
-          <a:p/>
-        </p:txBody>
-      </p:sp>
-    </p:spTree>
-  </p:cSld>
-  <p:clrMapOvr>
-    <a:masterClrMapping/>
-  </p:clrMapOvr>
-</p:sld>
-</file>
-
-<file path=ppt/slides/slide12.xml><?xml version="1.0" encoding="utf-8"?>
-<p:sld xmlns:a="http://schemas.openxmlformats.org/drawingml/2006/main" xmlns:p="http://schemas.openxmlformats.org/presentationml/2006/main" xmlns:r="http://schemas.openxmlformats.org/officeDocument/2006/relationships">
-  <p:cSld>
-    <p:spTree>
-      <p:nvGrpSpPr>
-        <p:cNvPr id="1" name=""/>
-        <p:cNvGrpSpPr/>
-        <p:nvPr/>
-      </p:nvGrpSpPr>
-      <p:grpSpPr/>
       <p:graphicFrame>
         <p:nvGraphicFramePr>
           <p:cNvPr id="2" name="Table 1"/>
@@ -3459,8 +3404,8 @@
           <p:nvPr/>
         </p:nvGraphicFramePr>
         <p:xfrm>
-          <a:off x="2743200" y="3931920"/>
-          <a:ext cx="3657600" cy="182880"/>
+          <a:off x="457200" y="3931920"/>
+          <a:ext cx="7772400" cy="182880"/>
         </p:xfrm>
         <a:graphic>
           <a:graphicData uri="http://schemas.openxmlformats.org/drawingml/2006/table">
@@ -3469,8 +3414,9 @@
                 <a:tableStyleId>{5C22544A-7EE6-4342-B048-85BDC9FD1C3A}</a:tableStyleId>
               </a:tblPr>
               <a:tblGrid>
-                <a:gridCol w="1828800"/>
-                <a:gridCol w="1828800"/>
+                <a:gridCol w="2590800"/>
+                <a:gridCol w="2590800"/>
+                <a:gridCol w="2590800"/>
               </a:tblGrid>
               <a:tr h="30480">
                 <a:tc>
@@ -3479,149 +3425,221 @@
                     <a:lstStyle/>
                     <a:p>
                       <a:r>
-                        <a:t>AccelX</a:t>
-                      </a:r>
-                    </a:p>
-                  </a:txBody>
-                  <a:tcPr/>
-                </a:tc>
-                <a:tc>
-                  <a:txBody>
-                    <a:bodyPr/>
-                    <a:lstStyle/>
-                    <a:p>
-                      <a:r>
                         <a:t>Metric</a:t>
                       </a:r>
                     </a:p>
                   </a:txBody>
                   <a:tcPr/>
                 </a:tc>
-              </a:tr>
-              <a:tr h="30480">
-                <a:tc>
-                  <a:txBody>
-                    <a:bodyPr/>
-                    <a:lstStyle/>
-                    <a:p>
-                      <a:r>
-                        <a:t>Count</a:t>
-                      </a:r>
-                    </a:p>
-                  </a:txBody>
-                  <a:tcPr/>
-                </a:tc>
-                <a:tc>
-                  <a:txBody>
-                    <a:bodyPr/>
-                    <a:lstStyle/>
-                    <a:p>
-                      <a:r>
-                        <a:t>99</a:t>
-                      </a:r>
-                    </a:p>
-                  </a:txBody>
-                  <a:tcPr/>
-                </a:tc>
-              </a:tr>
-              <a:tr h="30480">
-                <a:tc>
-                  <a:txBody>
-                    <a:bodyPr/>
-                    <a:lstStyle/>
-                    <a:p>
-                      <a:r>
-                        <a:t>Mean</a:t>
-                      </a:r>
-                    </a:p>
-                  </a:txBody>
-                  <a:tcPr/>
-                </a:tc>
-                <a:tc>
-                  <a:txBody>
-                    <a:bodyPr/>
-                    <a:lstStyle/>
-                    <a:p>
-                      <a:r>
-                        <a:t>0.01</a:t>
-                      </a:r>
-                    </a:p>
-                  </a:txBody>
-                  <a:tcPr/>
-                </a:tc>
-              </a:tr>
-              <a:tr h="30480">
-                <a:tc>
-                  <a:txBody>
-                    <a:bodyPr/>
-                    <a:lstStyle/>
-                    <a:p>
-                      <a:r>
-                        <a:t>Std</a:t>
-                      </a:r>
-                    </a:p>
-                  </a:txBody>
-                  <a:tcPr/>
-                </a:tc>
-                <a:tc>
-                  <a:txBody>
-                    <a:bodyPr/>
-                    <a:lstStyle/>
-                    <a:p>
-                      <a:r>
-                        <a:t>0.01</a:t>
-                      </a:r>
-                    </a:p>
-                  </a:txBody>
-                  <a:tcPr/>
-                </a:tc>
-              </a:tr>
-              <a:tr h="30480">
-                <a:tc>
-                  <a:txBody>
-                    <a:bodyPr/>
-                    <a:lstStyle/>
-                    <a:p>
-                      <a:r>
-                        <a:t>Min</a:t>
-                      </a:r>
-                    </a:p>
-                  </a:txBody>
-                  <a:tcPr/>
-                </a:tc>
-                <a:tc>
-                  <a:txBody>
-                    <a:bodyPr/>
-                    <a:lstStyle/>
-                    <a:p>
-                      <a:r>
-                        <a:t>-0.01</a:t>
-                      </a:r>
-                    </a:p>
-                  </a:txBody>
-                  <a:tcPr/>
-                </a:tc>
-              </a:tr>
-              <a:tr h="30480">
-                <a:tc>
-                  <a:txBody>
-                    <a:bodyPr/>
-                    <a:lstStyle/>
-                    <a:p>
-                      <a:r>
-                        <a:t>Max</a:t>
-                      </a:r>
-                    </a:p>
-                  </a:txBody>
-                  <a:tcPr/>
-                </a:tc>
-                <a:tc>
-                  <a:txBody>
-                    <a:bodyPr/>
-                    <a:lstStyle/>
-                    <a:p>
-                      <a:r>
-                        <a:t>0.03</a:t>
+                <a:tc>
+                  <a:txBody>
+                    <a:bodyPr/>
+                    <a:lstStyle/>
+                    <a:p>
+                      <a:r>
+                        <a:t>Env Provisioned</a:t>
+                      </a:r>
+                    </a:p>
+                  </a:txBody>
+                  <a:tcPr/>
+                </a:tc>
+                <a:tc>
+                  <a:txBody>
+                    <a:bodyPr/>
+                    <a:lstStyle/>
+                    <a:p>
+                      <a:r>
+                        <a:t>Env Wifi</a:t>
+                      </a:r>
+                    </a:p>
+                  </a:txBody>
+                  <a:tcPr/>
+                </a:tc>
+              </a:tr>
+              <a:tr h="30480">
+                <a:tc>
+                  <a:txBody>
+                    <a:bodyPr/>
+                    <a:lstStyle/>
+                    <a:p>
+                      <a:r>
+                        <a:t>Quantity</a:t>
+                      </a:r>
+                    </a:p>
+                  </a:txBody>
+                  <a:tcPr/>
+                </a:tc>
+                <a:tc>
+                  <a:txBody>
+                    <a:bodyPr/>
+                    <a:lstStyle/>
+                    <a:p>
+                      <a:r>
+                        <a:t>97</a:t>
+                      </a:r>
+                    </a:p>
+                  </a:txBody>
+                  <a:tcPr/>
+                </a:tc>
+                <a:tc>
+                  <a:txBody>
+                    <a:bodyPr/>
+                    <a:lstStyle/>
+                    <a:p>
+                      <a:r>
+                        <a:t>97</a:t>
+                      </a:r>
+                    </a:p>
+                  </a:txBody>
+                  <a:tcPr/>
+                </a:tc>
+              </a:tr>
+              <a:tr h="30480">
+                <a:tc>
+                  <a:txBody>
+                    <a:bodyPr/>
+                    <a:lstStyle/>
+                    <a:p>
+                      <a:r>
+                        <a:t>Pass %</a:t>
+                      </a:r>
+                    </a:p>
+                  </a:txBody>
+                  <a:tcPr/>
+                </a:tc>
+                <a:tc>
+                  <a:txBody>
+                    <a:bodyPr/>
+                    <a:lstStyle/>
+                    <a:p>
+                      <a:r>
+                        <a:t>100.00%</a:t>
+                      </a:r>
+                    </a:p>
+                  </a:txBody>
+                  <a:tcPr/>
+                </a:tc>
+                <a:tc>
+                  <a:txBody>
+                    <a:bodyPr/>
+                    <a:lstStyle/>
+                    <a:p>
+                      <a:r>
+                        <a:t>100.00%</a:t>
+                      </a:r>
+                    </a:p>
+                  </a:txBody>
+                  <a:tcPr/>
+                </a:tc>
+              </a:tr>
+              <a:tr h="30480">
+                <a:tc>
+                  <a:txBody>
+                    <a:bodyPr/>
+                    <a:lstStyle/>
+                    <a:p>
+                      <a:r>
+                        <a:t>Fail %</a:t>
+                      </a:r>
+                    </a:p>
+                  </a:txBody>
+                  <a:tcPr/>
+                </a:tc>
+                <a:tc>
+                  <a:txBody>
+                    <a:bodyPr/>
+                    <a:lstStyle/>
+                    <a:p>
+                      <a:r>
+                        <a:t>0.00%</a:t>
+                      </a:r>
+                    </a:p>
+                  </a:txBody>
+                  <a:tcPr/>
+                </a:tc>
+                <a:tc>
+                  <a:txBody>
+                    <a:bodyPr/>
+                    <a:lstStyle/>
+                    <a:p>
+                      <a:r>
+                        <a:t>0.00%</a:t>
+                      </a:r>
+                    </a:p>
+                  </a:txBody>
+                  <a:tcPr/>
+                </a:tc>
+              </a:tr>
+              <a:tr h="30480">
+                <a:tc>
+                  <a:txBody>
+                    <a:bodyPr/>
+                    <a:lstStyle/>
+                    <a:p>
+                      <a:r>
+                        <a:t>Pass</a:t>
+                      </a:r>
+                    </a:p>
+                  </a:txBody>
+                  <a:tcPr/>
+                </a:tc>
+                <a:tc>
+                  <a:txBody>
+                    <a:bodyPr/>
+                    <a:lstStyle/>
+                    <a:p>
+                      <a:r>
+                        <a:t>97</a:t>
+                      </a:r>
+                    </a:p>
+                  </a:txBody>
+                  <a:tcPr/>
+                </a:tc>
+                <a:tc>
+                  <a:txBody>
+                    <a:bodyPr/>
+                    <a:lstStyle/>
+                    <a:p>
+                      <a:r>
+                        <a:t>97</a:t>
+                      </a:r>
+                    </a:p>
+                  </a:txBody>
+                  <a:tcPr/>
+                </a:tc>
+              </a:tr>
+              <a:tr h="30480">
+                <a:tc>
+                  <a:txBody>
+                    <a:bodyPr/>
+                    <a:lstStyle/>
+                    <a:p>
+                      <a:r>
+                        <a:t>Fail</a:t>
+                      </a:r>
+                    </a:p>
+                  </a:txBody>
+                  <a:tcPr/>
+                </a:tc>
+                <a:tc>
+                  <a:txBody>
+                    <a:bodyPr/>
+                    <a:lstStyle/>
+                    <a:p>
+                      <a:r>
+                        <a:t>0</a:t>
+                      </a:r>
+                    </a:p>
+                  </a:txBody>
+                  <a:tcPr/>
+                </a:tc>
+                <a:tc>
+                  <a:txBody>
+                    <a:bodyPr/>
+                    <a:lstStyle/>
+                    <a:p>
+                      <a:r>
+                        <a:t>0</a:t>
                       </a:r>
                     </a:p>
                   </a:txBody>
@@ -3634,7 +3652,7 @@
       </p:graphicFrame>
       <p:pic>
         <p:nvPicPr>
-          <p:cNvPr id="3" name="Picture 2" descr="histogram_PCBA_FCT_AccelX.png"/>
+          <p:cNvPr id="3" name="Picture 2" descr="metrics_pass_fail_plot.png"/>
           <p:cNvPicPr>
             <a:picLocks noChangeAspect="1"/>
           </p:cNvPicPr>
@@ -3656,6 +3674,62 @@
           </a:prstGeom>
         </p:spPr>
       </p:pic>
+    </p:spTree>
+  </p:cSld>
+  <p:clrMapOvr>
+    <a:masterClrMapping/>
+  </p:clrMapOvr>
+</p:sld>
+</file>
+
+<file path=ppt/slides/slide12.xml><?xml version="1.0" encoding="utf-8"?>
+<p:sld xmlns:a="http://schemas.openxmlformats.org/drawingml/2006/main" xmlns:p="http://schemas.openxmlformats.org/presentationml/2006/main" xmlns:r="http://schemas.openxmlformats.org/officeDocument/2006/relationships">
+  <p:cSld>
+    <p:spTree>
+      <p:nvGrpSpPr>
+        <p:cNvPr id="1" name=""/>
+        <p:cNvGrpSpPr/>
+        <p:nvPr/>
+      </p:nvGrpSpPr>
+      <p:grpSpPr/>
+      <p:sp>
+        <p:nvSpPr>
+          <p:cNvPr id="2" name="Title 1"/>
+          <p:cNvSpPr>
+            <a:spLocks noGrp="1"/>
+          </p:cNvSpPr>
+          <p:nvPr>
+            <p:ph type="title"/>
+          </p:nvPr>
+        </p:nvSpPr>
+        <p:spPr/>
+        <p:txBody>
+          <a:bodyPr/>
+          <a:lstStyle/>
+          <a:p>
+            <a:r>
+              <a:t>PCBA_FCT</a:t>
+            </a:r>
+          </a:p>
+        </p:txBody>
+      </p:sp>
+      <p:sp>
+        <p:nvSpPr>
+          <p:cNvPr id="3" name="Content Placeholder 2"/>
+          <p:cNvSpPr>
+            <a:spLocks noGrp="1"/>
+          </p:cNvSpPr>
+          <p:nvPr>
+            <p:ph idx="1"/>
+          </p:nvPr>
+        </p:nvSpPr>
+        <p:spPr/>
+        <p:txBody>
+          <a:bodyPr/>
+          <a:lstStyle/>
+          <a:p/>
+        </p:txBody>
+      </p:sp>
     </p:spTree>
   </p:cSld>
   <p:clrMapOvr>
@@ -3703,7 +3777,7 @@
                     <a:lstStyle/>
                     <a:p>
                       <a:r>
-                        <a:t>AccelY</a:t>
+                        <a:t>AccelX</a:t>
                       </a:r>
                     </a:p>
                   </a:txBody>
@@ -3767,85 +3841,85 @@
                     <a:lstStyle/>
                     <a:p>
                       <a:r>
+                        <a:t>0.01</a:t>
+                      </a:r>
+                    </a:p>
+                  </a:txBody>
+                  <a:tcPr/>
+                </a:tc>
+              </a:tr>
+              <a:tr h="30480">
+                <a:tc>
+                  <a:txBody>
+                    <a:bodyPr/>
+                    <a:lstStyle/>
+                    <a:p>
+                      <a:r>
+                        <a:t>Std</a:t>
+                      </a:r>
+                    </a:p>
+                  </a:txBody>
+                  <a:tcPr/>
+                </a:tc>
+                <a:tc>
+                  <a:txBody>
+                    <a:bodyPr/>
+                    <a:lstStyle/>
+                    <a:p>
+                      <a:r>
+                        <a:t>0.01</a:t>
+                      </a:r>
+                    </a:p>
+                  </a:txBody>
+                  <a:tcPr/>
+                </a:tc>
+              </a:tr>
+              <a:tr h="30480">
+                <a:tc>
+                  <a:txBody>
+                    <a:bodyPr/>
+                    <a:lstStyle/>
+                    <a:p>
+                      <a:r>
+                        <a:t>Min</a:t>
+                      </a:r>
+                    </a:p>
+                  </a:txBody>
+                  <a:tcPr/>
+                </a:tc>
+                <a:tc>
+                  <a:txBody>
+                    <a:bodyPr/>
+                    <a:lstStyle/>
+                    <a:p>
+                      <a:r>
+                        <a:t>-0.01</a:t>
+                      </a:r>
+                    </a:p>
+                  </a:txBody>
+                  <a:tcPr/>
+                </a:tc>
+              </a:tr>
+              <a:tr h="30480">
+                <a:tc>
+                  <a:txBody>
+                    <a:bodyPr/>
+                    <a:lstStyle/>
+                    <a:p>
+                      <a:r>
+                        <a:t>Max</a:t>
+                      </a:r>
+                    </a:p>
+                  </a:txBody>
+                  <a:tcPr/>
+                </a:tc>
+                <a:tc>
+                  <a:txBody>
+                    <a:bodyPr/>
+                    <a:lstStyle/>
+                    <a:p>
+                      <a:r>
                         <a:t>0.03</a:t>
-                      </a:r>
-                    </a:p>
-                  </a:txBody>
-                  <a:tcPr/>
-                </a:tc>
-              </a:tr>
-              <a:tr h="30480">
-                <a:tc>
-                  <a:txBody>
-                    <a:bodyPr/>
-                    <a:lstStyle/>
-                    <a:p>
-                      <a:r>
-                        <a:t>Std</a:t>
-                      </a:r>
-                    </a:p>
-                  </a:txBody>
-                  <a:tcPr/>
-                </a:tc>
-                <a:tc>
-                  <a:txBody>
-                    <a:bodyPr/>
-                    <a:lstStyle/>
-                    <a:p>
-                      <a:r>
-                        <a:t>0.01</a:t>
-                      </a:r>
-                    </a:p>
-                  </a:txBody>
-                  <a:tcPr/>
-                </a:tc>
-              </a:tr>
-              <a:tr h="30480">
-                <a:tc>
-                  <a:txBody>
-                    <a:bodyPr/>
-                    <a:lstStyle/>
-                    <a:p>
-                      <a:r>
-                        <a:t>Min</a:t>
-                      </a:r>
-                    </a:p>
-                  </a:txBody>
-                  <a:tcPr/>
-                </a:tc>
-                <a:tc>
-                  <a:txBody>
-                    <a:bodyPr/>
-                    <a:lstStyle/>
-                    <a:p>
-                      <a:r>
-                        <a:t>0.01</a:t>
-                      </a:r>
-                    </a:p>
-                  </a:txBody>
-                  <a:tcPr/>
-                </a:tc>
-              </a:tr>
-              <a:tr h="30480">
-                <a:tc>
-                  <a:txBody>
-                    <a:bodyPr/>
-                    <a:lstStyle/>
-                    <a:p>
-                      <a:r>
-                        <a:t>Max</a:t>
-                      </a:r>
-                    </a:p>
-                  </a:txBody>
-                  <a:tcPr/>
-                </a:tc>
-                <a:tc>
-                  <a:txBody>
-                    <a:bodyPr/>
-                    <a:lstStyle/>
-                    <a:p>
-                      <a:r>
-                        <a:t>0.07</a:t>
                       </a:r>
                     </a:p>
                   </a:txBody>
@@ -3858,7 +3932,7 @@
       </p:graphicFrame>
       <p:pic>
         <p:nvPicPr>
-          <p:cNvPr id="3" name="Picture 2" descr="histogram_PCBA_FCT_AccelY.png"/>
+          <p:cNvPr id="3" name="Picture 2" descr="histogram_PCBA_FCT_AccelX.png"/>
           <p:cNvPicPr>
             <a:picLocks noChangeAspect="1"/>
           </p:cNvPicPr>
@@ -3927,7 +4001,7 @@
                     <a:lstStyle/>
                     <a:p>
                       <a:r>
-                        <a:t>AccelZ</a:t>
+                        <a:t>AccelY</a:t>
                       </a:r>
                     </a:p>
                   </a:txBody>
@@ -3991,7 +4065,7 @@
                     <a:lstStyle/>
                     <a:p>
                       <a:r>
-                        <a:t>1.02</a:t>
+                        <a:t>0.03</a:t>
                       </a:r>
                     </a:p>
                   </a:txBody>
@@ -4043,7 +4117,7 @@
                     <a:lstStyle/>
                     <a:p>
                       <a:r>
-                        <a:t>0.99</a:t>
+                        <a:t>0.01</a:t>
                       </a:r>
                     </a:p>
                   </a:txBody>
@@ -4069,7 +4143,7 @@
                     <a:lstStyle/>
                     <a:p>
                       <a:r>
-                        <a:t>1.07</a:t>
+                        <a:t>0.07</a:t>
                       </a:r>
                     </a:p>
                   </a:txBody>
@@ -4082,7 +4156,7 @@
       </p:graphicFrame>
       <p:pic>
         <p:nvPicPr>
-          <p:cNvPr id="3" name="Picture 2" descr="histogram_PCBA_FCT_AccelZ.png"/>
+          <p:cNvPr id="3" name="Picture 2" descr="histogram_PCBA_FCT_AccelY.png"/>
           <p:cNvPicPr>
             <a:picLocks noChangeAspect="1"/>
           </p:cNvPicPr>
@@ -4151,7 +4225,7 @@
                     <a:lstStyle/>
                     <a:p>
                       <a:r>
-                        <a:t>Pressure</a:t>
+                        <a:t>AccelZ</a:t>
                       </a:r>
                     </a:p>
                   </a:txBody>
@@ -4215,7 +4289,7 @@
                     <a:lstStyle/>
                     <a:p>
                       <a:r>
-                        <a:t>997.02</a:t>
+                        <a:t>1.02</a:t>
                       </a:r>
                     </a:p>
                   </a:txBody>
@@ -4241,7 +4315,7 @@
                     <a:lstStyle/>
                     <a:p>
                       <a:r>
-                        <a:t>0.74</a:t>
+                        <a:t>0.01</a:t>
                       </a:r>
                     </a:p>
                   </a:txBody>
@@ -4267,7 +4341,7 @@
                     <a:lstStyle/>
                     <a:p>
                       <a:r>
-                        <a:t>996.03</a:t>
+                        <a:t>0.99</a:t>
                       </a:r>
                     </a:p>
                   </a:txBody>
@@ -4293,7 +4367,7 @@
                     <a:lstStyle/>
                     <a:p>
                       <a:r>
-                        <a:t>1001.13</a:t>
+                        <a:t>1.07</a:t>
                       </a:r>
                     </a:p>
                   </a:txBody>
@@ -4306,7 +4380,7 @@
       </p:graphicFrame>
       <p:pic>
         <p:nvPicPr>
-          <p:cNvPr id="3" name="Picture 2" descr="histogram_PCBA_FCT_Pressure.png"/>
+          <p:cNvPr id="3" name="Picture 2" descr="histogram_PCBA_FCT_AccelZ.png"/>
           <p:cNvPicPr>
             <a:picLocks noChangeAspect="1"/>
           </p:cNvPicPr>
@@ -4375,7 +4449,7 @@
                     <a:lstStyle/>
                     <a:p>
                       <a:r>
-                        <a:t>Temp</a:t>
+                        <a:t>Pressure</a:t>
                       </a:r>
                     </a:p>
                   </a:txBody>
@@ -4439,7 +4513,7 @@
                     <a:lstStyle/>
                     <a:p>
                       <a:r>
-                        <a:t>28.08</a:t>
+                        <a:t>997.02</a:t>
                       </a:r>
                     </a:p>
                   </a:txBody>
@@ -4465,7 +4539,7 @@
                     <a:lstStyle/>
                     <a:p>
                       <a:r>
-                        <a:t>0.55</a:t>
+                        <a:t>0.74</a:t>
                       </a:r>
                     </a:p>
                   </a:txBody>
@@ -4491,7 +4565,7 @@
                     <a:lstStyle/>
                     <a:p>
                       <a:r>
-                        <a:t>24.81</a:t>
+                        <a:t>996.03</a:t>
                       </a:r>
                     </a:p>
                   </a:txBody>
@@ -4517,7 +4591,7 @@
                     <a:lstStyle/>
                     <a:p>
                       <a:r>
-                        <a:t>28.92</a:t>
+                        <a:t>1001.13</a:t>
                       </a:r>
                     </a:p>
                   </a:txBody>
@@ -4530,7 +4604,7 @@
       </p:graphicFrame>
       <p:pic>
         <p:nvPicPr>
-          <p:cNvPr id="3" name="Picture 2" descr="histogram_PCBA_FCT_Temp.png"/>
+          <p:cNvPr id="3" name="Picture 2" descr="histogram_PCBA_FCT_Pressure.png"/>
           <p:cNvPicPr>
             <a:picLocks noChangeAspect="1"/>
           </p:cNvPicPr>
@@ -4599,7 +4673,7 @@
                     <a:lstStyle/>
                     <a:p>
                       <a:r>
-                        <a:t>Light</a:t>
+                        <a:t>Temp</a:t>
                       </a:r>
                     </a:p>
                   </a:txBody>
@@ -4663,7 +4737,7 @@
                     <a:lstStyle/>
                     <a:p>
                       <a:r>
-                        <a:t>403.60</a:t>
+                        <a:t>28.08</a:t>
                       </a:r>
                     </a:p>
                   </a:txBody>
@@ -4689,7 +4763,7 @@
                     <a:lstStyle/>
                     <a:p>
                       <a:r>
-                        <a:t>46.94</a:t>
+                        <a:t>0.55</a:t>
                       </a:r>
                     </a:p>
                   </a:txBody>
@@ -4715,7 +4789,7 @@
                     <a:lstStyle/>
                     <a:p>
                       <a:r>
-                        <a:t>262.0</a:t>
+                        <a:t>24.81</a:t>
                       </a:r>
                     </a:p>
                   </a:txBody>
@@ -4741,7 +4815,7 @@
                     <a:lstStyle/>
                     <a:p>
                       <a:r>
-                        <a:t>494.0</a:t>
+                        <a:t>28.92</a:t>
                       </a:r>
                     </a:p>
                   </a:txBody>
@@ -4754,7 +4828,7 @@
       </p:graphicFrame>
       <p:pic>
         <p:nvPicPr>
-          <p:cNvPr id="3" name="Picture 2" descr="histogram_PCBA_FCT_Light.png"/>
+          <p:cNvPr id="3" name="Picture 2" descr="histogram_PCBA_FCT_Temp.png"/>
           <p:cNvPicPr>
             <a:picLocks noChangeAspect="1"/>
           </p:cNvPicPr>
@@ -4823,7 +4897,7 @@
                     <a:lstStyle/>
                     <a:p>
                       <a:r>
-                        <a:t>WiFi Scan Results</a:t>
+                        <a:t>Light</a:t>
                       </a:r>
                     </a:p>
                   </a:txBody>
@@ -4887,7 +4961,7 @@
                     <a:lstStyle/>
                     <a:p>
                       <a:r>
-                        <a:t>4.04</a:t>
+                        <a:t>403.60</a:t>
                       </a:r>
                     </a:p>
                   </a:txBody>
@@ -4913,7 +4987,7 @@
                     <a:lstStyle/>
                     <a:p>
                       <a:r>
-                        <a:t>0.40</a:t>
+                        <a:t>46.94</a:t>
                       </a:r>
                     </a:p>
                   </a:txBody>
@@ -4939,7 +5013,7 @@
                     <a:lstStyle/>
                     <a:p>
                       <a:r>
-                        <a:t>4</a:t>
+                        <a:t>262.0</a:t>
                       </a:r>
                     </a:p>
                   </a:txBody>
@@ -4965,7 +5039,7 @@
                     <a:lstStyle/>
                     <a:p>
                       <a:r>
-                        <a:t>8</a:t>
+                        <a:t>494.0</a:t>
                       </a:r>
                     </a:p>
                   </a:txBody>
@@ -4978,7 +5052,7 @@
       </p:graphicFrame>
       <p:pic>
         <p:nvPicPr>
-          <p:cNvPr id="3" name="Picture 2" descr="histogram_PCBA_FCT_WiFi Scan Results.png"/>
+          <p:cNvPr id="3" name="Picture 2" descr="histogram_PCBA_FCT_Light.png"/>
           <p:cNvPicPr>
             <a:picLocks noChangeAspect="1"/>
           </p:cNvPicPr>
@@ -5047,7 +5121,7 @@
                     <a:lstStyle/>
                     <a:p>
                       <a:r>
-                        <a:t>Voltage (mV)</a:t>
+                        <a:t>WiFi Scan Results</a:t>
                       </a:r>
                     </a:p>
                   </a:txBody>
@@ -5111,7 +5185,7 @@
                     <a:lstStyle/>
                     <a:p>
                       <a:r>
-                        <a:t>3653.24</a:t>
+                        <a:t>4.04</a:t>
                       </a:r>
                     </a:p>
                   </a:txBody>
@@ -5137,7 +5211,7 @@
                     <a:lstStyle/>
                     <a:p>
                       <a:r>
-                        <a:t>19.99</a:t>
+                        <a:t>0.40</a:t>
                       </a:r>
                     </a:p>
                   </a:txBody>
@@ -5163,7 +5237,7 @@
                     <a:lstStyle/>
                     <a:p>
                       <a:r>
-                        <a:t>3607.0</a:t>
+                        <a:t>4</a:t>
                       </a:r>
                     </a:p>
                   </a:txBody>
@@ -5189,7 +5263,7 @@
                     <a:lstStyle/>
                     <a:p>
                       <a:r>
-                        <a:t>3708.0</a:t>
+                        <a:t>8</a:t>
                       </a:r>
                     </a:p>
                   </a:txBody>
@@ -5202,7 +5276,7 @@
       </p:graphicFrame>
       <p:pic>
         <p:nvPicPr>
-          <p:cNvPr id="3" name="Picture 2" descr="histogram_PCBA_FCT_Voltage (mV).png"/>
+          <p:cNvPr id="3" name="Picture 2" descr="histogram_PCBA_FCT_WiFi Scan Results.png"/>
           <p:cNvPicPr>
             <a:picLocks noChangeAspect="1"/>
           </p:cNvPicPr>
@@ -5466,62 +5540,6 @@
         <p:nvPr/>
       </p:nvGrpSpPr>
       <p:grpSpPr/>
-      <p:sp>
-        <p:nvSpPr>
-          <p:cNvPr id="2" name="Title 1"/>
-          <p:cNvSpPr>
-            <a:spLocks noGrp="1"/>
-          </p:cNvSpPr>
-          <p:nvPr>
-            <p:ph type="title"/>
-          </p:nvPr>
-        </p:nvSpPr>
-        <p:spPr/>
-        <p:txBody>
-          <a:bodyPr/>
-          <a:lstStyle/>
-          <a:p>
-            <a:r>
-              <a:t>PCBA_FT_Conducted</a:t>
-            </a:r>
-          </a:p>
-        </p:txBody>
-      </p:sp>
-      <p:sp>
-        <p:nvSpPr>
-          <p:cNvPr id="3" name="Content Placeholder 2"/>
-          <p:cNvSpPr>
-            <a:spLocks noGrp="1"/>
-          </p:cNvSpPr>
-          <p:nvPr>
-            <p:ph idx="1"/>
-          </p:nvPr>
-        </p:nvSpPr>
-        <p:spPr/>
-        <p:txBody>
-          <a:bodyPr/>
-          <a:lstStyle/>
-          <a:p/>
-        </p:txBody>
-      </p:sp>
-    </p:spTree>
-  </p:cSld>
-  <p:clrMapOvr>
-    <a:masterClrMapping/>
-  </p:clrMapOvr>
-</p:sld>
-</file>
-
-<file path=ppt/slides/slide21.xml><?xml version="1.0" encoding="utf-8"?>
-<p:sld xmlns:a="http://schemas.openxmlformats.org/drawingml/2006/main" xmlns:p="http://schemas.openxmlformats.org/presentationml/2006/main" xmlns:r="http://schemas.openxmlformats.org/officeDocument/2006/relationships">
-  <p:cSld>
-    <p:spTree>
-      <p:nvGrpSpPr>
-        <p:cNvPr id="1" name=""/>
-        <p:cNvGrpSpPr/>
-        <p:nvPr/>
-      </p:nvGrpSpPr>
-      <p:grpSpPr/>
       <p:graphicFrame>
         <p:nvGraphicFramePr>
           <p:cNvPr id="2" name="Table 1"/>
@@ -5551,19 +5569,19 @@
                     <a:lstStyle/>
                     <a:p>
                       <a:r>
-                        <a:t>Frequency</a:t>
-                      </a:r>
-                    </a:p>
-                  </a:txBody>
-                  <a:tcPr/>
-                </a:tc>
-                <a:tc>
-                  <a:txBody>
-                    <a:bodyPr/>
-                    <a:lstStyle/>
-                    <a:p>
-                      <a:r>
-                        <a:t>1830.0</a:t>
+                        <a:t>Voltage (mV)</a:t>
+                      </a:r>
+                    </a:p>
+                  </a:txBody>
+                  <a:tcPr/>
+                </a:tc>
+                <a:tc>
+                  <a:txBody>
+                    <a:bodyPr/>
+                    <a:lstStyle/>
+                    <a:p>
+                      <a:r>
+                        <a:t>Metric</a:t>
                       </a:r>
                     </a:p>
                   </a:txBody>
@@ -5589,7 +5607,7 @@
                     <a:lstStyle/>
                     <a:p>
                       <a:r>
-                        <a:t>202</a:t>
+                        <a:t>99</a:t>
                       </a:r>
                     </a:p>
                   </a:txBody>
@@ -5615,7 +5633,7 @@
                     <a:lstStyle/>
                     <a:p>
                       <a:r>
-                        <a:t>24.59</a:t>
+                        <a:t>3653.24</a:t>
                       </a:r>
                     </a:p>
                   </a:txBody>
@@ -5641,7 +5659,7 @@
                     <a:lstStyle/>
                     <a:p>
                       <a:r>
-                        <a:t>0.12</a:t>
+                        <a:t>19.99</a:t>
                       </a:r>
                     </a:p>
                   </a:txBody>
@@ -5667,7 +5685,7 @@
                     <a:lstStyle/>
                     <a:p>
                       <a:r>
-                        <a:t>24.23505</a:t>
+                        <a:t>3607.0</a:t>
                       </a:r>
                     </a:p>
                   </a:txBody>
@@ -5693,7 +5711,7 @@
                     <a:lstStyle/>
                     <a:p>
                       <a:r>
-                        <a:t>24.84868</a:t>
+                        <a:t>3708.0</a:t>
                       </a:r>
                     </a:p>
                   </a:txBody>
@@ -5706,7 +5724,7 @@
       </p:graphicFrame>
       <p:pic>
         <p:nvPicPr>
-          <p:cNvPr id="3" name="Picture 2" descr="histogram_PCBA_FT_Conducted_1830.0.png"/>
+          <p:cNvPr id="3" name="Picture 2" descr="histogram_PCBA_FCT_Voltage (mV).png"/>
           <p:cNvPicPr>
             <a:picLocks noChangeAspect="1"/>
           </p:cNvPicPr>
@@ -5728,6 +5746,62 @@
           </a:prstGeom>
         </p:spPr>
       </p:pic>
+    </p:spTree>
+  </p:cSld>
+  <p:clrMapOvr>
+    <a:masterClrMapping/>
+  </p:clrMapOvr>
+</p:sld>
+</file>
+
+<file path=ppt/slides/slide21.xml><?xml version="1.0" encoding="utf-8"?>
+<p:sld xmlns:a="http://schemas.openxmlformats.org/drawingml/2006/main" xmlns:p="http://schemas.openxmlformats.org/presentationml/2006/main" xmlns:r="http://schemas.openxmlformats.org/officeDocument/2006/relationships">
+  <p:cSld>
+    <p:spTree>
+      <p:nvGrpSpPr>
+        <p:cNvPr id="1" name=""/>
+        <p:cNvGrpSpPr/>
+        <p:nvPr/>
+      </p:nvGrpSpPr>
+      <p:grpSpPr/>
+      <p:sp>
+        <p:nvSpPr>
+          <p:cNvPr id="2" name="Title 1"/>
+          <p:cNvSpPr>
+            <a:spLocks noGrp="1"/>
+          </p:cNvSpPr>
+          <p:nvPr>
+            <p:ph type="title"/>
+          </p:nvPr>
+        </p:nvSpPr>
+        <p:spPr/>
+        <p:txBody>
+          <a:bodyPr/>
+          <a:lstStyle/>
+          <a:p>
+            <a:r>
+              <a:t>PCBA_FT_Conducted</a:t>
+            </a:r>
+          </a:p>
+        </p:txBody>
+      </p:sp>
+      <p:sp>
+        <p:nvSpPr>
+          <p:cNvPr id="3" name="Content Placeholder 2"/>
+          <p:cNvSpPr>
+            <a:spLocks noGrp="1"/>
+          </p:cNvSpPr>
+          <p:nvPr>
+            <p:ph idx="1"/>
+          </p:nvPr>
+        </p:nvSpPr>
+        <p:spPr/>
+        <p:txBody>
+          <a:bodyPr/>
+          <a:lstStyle/>
+          <a:p/>
+        </p:txBody>
+      </p:sp>
     </p:spTree>
   </p:cSld>
   <p:clrMapOvr>
@@ -5787,7 +5861,7 @@
                     <a:lstStyle/>
                     <a:p>
                       <a:r>
-                        <a:t>1957.5</a:t>
+                        <a:t>1830.0</a:t>
                       </a:r>
                     </a:p>
                   </a:txBody>
@@ -5839,7 +5913,7 @@
                     <a:lstStyle/>
                     <a:p>
                       <a:r>
-                        <a:t>24.97</a:t>
+                        <a:t>24.59</a:t>
                       </a:r>
                     </a:p>
                   </a:txBody>
@@ -5865,7 +5939,7 @@
                     <a:lstStyle/>
                     <a:p>
                       <a:r>
-                        <a:t>0.14</a:t>
+                        <a:t>0.12</a:t>
                       </a:r>
                     </a:p>
                   </a:txBody>
@@ -5891,7 +5965,7 @@
                     <a:lstStyle/>
                     <a:p>
                       <a:r>
-                        <a:t>24.63852</a:t>
+                        <a:t>24.23505</a:t>
                       </a:r>
                     </a:p>
                   </a:txBody>
@@ -5917,7 +5991,7 @@
                     <a:lstStyle/>
                     <a:p>
                       <a:r>
-                        <a:t>25.3505</a:t>
+                        <a:t>24.84868</a:t>
                       </a:r>
                     </a:p>
                   </a:txBody>
@@ -5930,7 +6004,7 @@
       </p:graphicFrame>
       <p:pic>
         <p:nvPicPr>
-          <p:cNvPr id="3" name="Picture 2" descr="histogram_PCBA_FT_Conducted_1957.5.png"/>
+          <p:cNvPr id="3" name="Picture 2" descr="histogram_PCBA_FT_Conducted_1830.0.png"/>
           <p:cNvPicPr>
             <a:picLocks noChangeAspect="1"/>
           </p:cNvPicPr>
@@ -6011,7 +6085,7 @@
                     <a:lstStyle/>
                     <a:p>
                       <a:r>
-                        <a:t>2052.5</a:t>
+                        <a:t>1957.5</a:t>
                       </a:r>
                     </a:p>
                   </a:txBody>
@@ -6063,7 +6137,7 @@
                     <a:lstStyle/>
                     <a:p>
                       <a:r>
-                        <a:t>25.10</a:t>
+                        <a:t>24.97</a:t>
                       </a:r>
                     </a:p>
                   </a:txBody>
@@ -6089,7 +6163,7 @@
                     <a:lstStyle/>
                     <a:p>
                       <a:r>
-                        <a:t>0.17</a:t>
+                        <a:t>0.14</a:t>
                       </a:r>
                     </a:p>
                   </a:txBody>
@@ -6115,7 +6189,7 @@
                     <a:lstStyle/>
                     <a:p>
                       <a:r>
-                        <a:t>24.03788</a:t>
+                        <a:t>24.63852</a:t>
                       </a:r>
                     </a:p>
                   </a:txBody>
@@ -6141,7 +6215,7 @@
                     <a:lstStyle/>
                     <a:p>
                       <a:r>
-                        <a:t>25.50639</a:t>
+                        <a:t>25.3505</a:t>
                       </a:r>
                     </a:p>
                   </a:txBody>
@@ -6154,7 +6228,7 @@
       </p:graphicFrame>
       <p:pic>
         <p:nvPicPr>
-          <p:cNvPr id="3" name="Picture 2" descr="histogram_PCBA_FT_Conducted_2052.5.png"/>
+          <p:cNvPr id="3" name="Picture 2" descr="histogram_PCBA_FT_Conducted_1957.5.png"/>
           <p:cNvPicPr>
             <a:picLocks noChangeAspect="1"/>
           </p:cNvPicPr>
@@ -6194,62 +6268,6 @@
         <p:nvPr/>
       </p:nvGrpSpPr>
       <p:grpSpPr/>
-      <p:sp>
-        <p:nvSpPr>
-          <p:cNvPr id="2" name="Title 1"/>
-          <p:cNvSpPr>
-            <a:spLocks noGrp="1"/>
-          </p:cNvSpPr>
-          <p:nvPr>
-            <p:ph type="title"/>
-          </p:nvPr>
-        </p:nvSpPr>
-        <p:spPr/>
-        <p:txBody>
-          <a:bodyPr/>
-          <a:lstStyle/>
-          <a:p>
-            <a:r>
-              <a:t>PCBA_FT_Coupling</a:t>
-            </a:r>
-          </a:p>
-        </p:txBody>
-      </p:sp>
-      <p:sp>
-        <p:nvSpPr>
-          <p:cNvPr id="3" name="Content Placeholder 2"/>
-          <p:cNvSpPr>
-            <a:spLocks noGrp="1"/>
-          </p:cNvSpPr>
-          <p:nvPr>
-            <p:ph idx="1"/>
-          </p:nvPr>
-        </p:nvSpPr>
-        <p:spPr/>
-        <p:txBody>
-          <a:bodyPr/>
-          <a:lstStyle/>
-          <a:p/>
-        </p:txBody>
-      </p:sp>
-    </p:spTree>
-  </p:cSld>
-  <p:clrMapOvr>
-    <a:masterClrMapping/>
-  </p:clrMapOvr>
-</p:sld>
-</file>
-
-<file path=ppt/slides/slide25.xml><?xml version="1.0" encoding="utf-8"?>
-<p:sld xmlns:a="http://schemas.openxmlformats.org/drawingml/2006/main" xmlns:p="http://schemas.openxmlformats.org/presentationml/2006/main" xmlns:r="http://schemas.openxmlformats.org/officeDocument/2006/relationships">
-  <p:cSld>
-    <p:spTree>
-      <p:nvGrpSpPr>
-        <p:cNvPr id="1" name=""/>
-        <p:cNvGrpSpPr/>
-        <p:nvPr/>
-      </p:nvGrpSpPr>
-      <p:grpSpPr/>
       <p:graphicFrame>
         <p:nvGraphicFramePr>
           <p:cNvPr id="2" name="Table 1"/>
@@ -6291,7 +6309,7 @@
                     <a:lstStyle/>
                     <a:p>
                       <a:r>
-                        <a:t>1830.0</a:t>
+                        <a:t>2052.5</a:t>
                       </a:r>
                     </a:p>
                   </a:txBody>
@@ -6317,7 +6335,7 @@
                     <a:lstStyle/>
                     <a:p>
                       <a:r>
-                        <a:t>194</a:t>
+                        <a:t>202</a:t>
                       </a:r>
                     </a:p>
                   </a:txBody>
@@ -6343,7 +6361,7 @@
                     <a:lstStyle/>
                     <a:p>
                       <a:r>
-                        <a:t>21.63</a:t>
+                        <a:t>25.10</a:t>
                       </a:r>
                     </a:p>
                   </a:txBody>
@@ -6369,7 +6387,7 @@
                     <a:lstStyle/>
                     <a:p>
                       <a:r>
-                        <a:t>0.32</a:t>
+                        <a:t>0.17</a:t>
                       </a:r>
                     </a:p>
                   </a:txBody>
@@ -6395,7 +6413,7 @@
                     <a:lstStyle/>
                     <a:p>
                       <a:r>
-                        <a:t>20.1162</a:t>
+                        <a:t>24.03788</a:t>
                       </a:r>
                     </a:p>
                   </a:txBody>
@@ -6421,7 +6439,7 @@
                     <a:lstStyle/>
                     <a:p>
                       <a:r>
-                        <a:t>22.33126</a:t>
+                        <a:t>25.50639</a:t>
                       </a:r>
                     </a:p>
                   </a:txBody>
@@ -6434,7 +6452,7 @@
       </p:graphicFrame>
       <p:pic>
         <p:nvPicPr>
-          <p:cNvPr id="3" name="Picture 2" descr="histogram_PCBA_FT_Coupling_1830.0.png"/>
+          <p:cNvPr id="3" name="Picture 2" descr="histogram_PCBA_FT_Conducted_2052.5.png"/>
           <p:cNvPicPr>
             <a:picLocks noChangeAspect="1"/>
           </p:cNvPicPr>
@@ -6456,6 +6474,62 @@
           </a:prstGeom>
         </p:spPr>
       </p:pic>
+    </p:spTree>
+  </p:cSld>
+  <p:clrMapOvr>
+    <a:masterClrMapping/>
+  </p:clrMapOvr>
+</p:sld>
+</file>
+
+<file path=ppt/slides/slide25.xml><?xml version="1.0" encoding="utf-8"?>
+<p:sld xmlns:a="http://schemas.openxmlformats.org/drawingml/2006/main" xmlns:p="http://schemas.openxmlformats.org/presentationml/2006/main" xmlns:r="http://schemas.openxmlformats.org/officeDocument/2006/relationships">
+  <p:cSld>
+    <p:spTree>
+      <p:nvGrpSpPr>
+        <p:cNvPr id="1" name=""/>
+        <p:cNvGrpSpPr/>
+        <p:nvPr/>
+      </p:nvGrpSpPr>
+      <p:grpSpPr/>
+      <p:sp>
+        <p:nvSpPr>
+          <p:cNvPr id="2" name="Title 1"/>
+          <p:cNvSpPr>
+            <a:spLocks noGrp="1"/>
+          </p:cNvSpPr>
+          <p:nvPr>
+            <p:ph type="title"/>
+          </p:nvPr>
+        </p:nvSpPr>
+        <p:spPr/>
+        <p:txBody>
+          <a:bodyPr/>
+          <a:lstStyle/>
+          <a:p>
+            <a:r>
+              <a:t>PCBA_FT_Coupling</a:t>
+            </a:r>
+          </a:p>
+        </p:txBody>
+      </p:sp>
+      <p:sp>
+        <p:nvSpPr>
+          <p:cNvPr id="3" name="Content Placeholder 2"/>
+          <p:cNvSpPr>
+            <a:spLocks noGrp="1"/>
+          </p:cNvSpPr>
+          <p:nvPr>
+            <p:ph idx="1"/>
+          </p:nvPr>
+        </p:nvSpPr>
+        <p:spPr/>
+        <p:txBody>
+          <a:bodyPr/>
+          <a:lstStyle/>
+          <a:p/>
+        </p:txBody>
+      </p:sp>
     </p:spTree>
   </p:cSld>
   <p:clrMapOvr>
@@ -6515,6 +6589,230 @@
                     <a:lstStyle/>
                     <a:p>
                       <a:r>
+                        <a:t>1830.0</a:t>
+                      </a:r>
+                    </a:p>
+                  </a:txBody>
+                  <a:tcPr/>
+                </a:tc>
+              </a:tr>
+              <a:tr h="30480">
+                <a:tc>
+                  <a:txBody>
+                    <a:bodyPr/>
+                    <a:lstStyle/>
+                    <a:p>
+                      <a:r>
+                        <a:t>Count</a:t>
+                      </a:r>
+                    </a:p>
+                  </a:txBody>
+                  <a:tcPr/>
+                </a:tc>
+                <a:tc>
+                  <a:txBody>
+                    <a:bodyPr/>
+                    <a:lstStyle/>
+                    <a:p>
+                      <a:r>
+                        <a:t>194</a:t>
+                      </a:r>
+                    </a:p>
+                  </a:txBody>
+                  <a:tcPr/>
+                </a:tc>
+              </a:tr>
+              <a:tr h="30480">
+                <a:tc>
+                  <a:txBody>
+                    <a:bodyPr/>
+                    <a:lstStyle/>
+                    <a:p>
+                      <a:r>
+                        <a:t>Mean</a:t>
+                      </a:r>
+                    </a:p>
+                  </a:txBody>
+                  <a:tcPr/>
+                </a:tc>
+                <a:tc>
+                  <a:txBody>
+                    <a:bodyPr/>
+                    <a:lstStyle/>
+                    <a:p>
+                      <a:r>
+                        <a:t>21.63</a:t>
+                      </a:r>
+                    </a:p>
+                  </a:txBody>
+                  <a:tcPr/>
+                </a:tc>
+              </a:tr>
+              <a:tr h="30480">
+                <a:tc>
+                  <a:txBody>
+                    <a:bodyPr/>
+                    <a:lstStyle/>
+                    <a:p>
+                      <a:r>
+                        <a:t>Std</a:t>
+                      </a:r>
+                    </a:p>
+                  </a:txBody>
+                  <a:tcPr/>
+                </a:tc>
+                <a:tc>
+                  <a:txBody>
+                    <a:bodyPr/>
+                    <a:lstStyle/>
+                    <a:p>
+                      <a:r>
+                        <a:t>0.32</a:t>
+                      </a:r>
+                    </a:p>
+                  </a:txBody>
+                  <a:tcPr/>
+                </a:tc>
+              </a:tr>
+              <a:tr h="30480">
+                <a:tc>
+                  <a:txBody>
+                    <a:bodyPr/>
+                    <a:lstStyle/>
+                    <a:p>
+                      <a:r>
+                        <a:t>Min</a:t>
+                      </a:r>
+                    </a:p>
+                  </a:txBody>
+                  <a:tcPr/>
+                </a:tc>
+                <a:tc>
+                  <a:txBody>
+                    <a:bodyPr/>
+                    <a:lstStyle/>
+                    <a:p>
+                      <a:r>
+                        <a:t>20.1162</a:t>
+                      </a:r>
+                    </a:p>
+                  </a:txBody>
+                  <a:tcPr/>
+                </a:tc>
+              </a:tr>
+              <a:tr h="30480">
+                <a:tc>
+                  <a:txBody>
+                    <a:bodyPr/>
+                    <a:lstStyle/>
+                    <a:p>
+                      <a:r>
+                        <a:t>Max</a:t>
+                      </a:r>
+                    </a:p>
+                  </a:txBody>
+                  <a:tcPr/>
+                </a:tc>
+                <a:tc>
+                  <a:txBody>
+                    <a:bodyPr/>
+                    <a:lstStyle/>
+                    <a:p>
+                      <a:r>
+                        <a:t>22.33126</a:t>
+                      </a:r>
+                    </a:p>
+                  </a:txBody>
+                  <a:tcPr/>
+                </a:tc>
+              </a:tr>
+            </a:tbl>
+          </a:graphicData>
+        </a:graphic>
+      </p:graphicFrame>
+      <p:pic>
+        <p:nvPicPr>
+          <p:cNvPr id="3" name="Picture 2" descr="histogram_PCBA_FT_Coupling_1830.0.png"/>
+          <p:cNvPicPr>
+            <a:picLocks noChangeAspect="1"/>
+          </p:cNvPicPr>
+          <p:nvPr/>
+        </p:nvPicPr>
+        <p:blipFill>
+          <a:blip r:embed="rId2"/>
+          <a:stretch>
+            <a:fillRect/>
+          </a:stretch>
+        </p:blipFill>
+        <p:spPr>
+          <a:xfrm>
+            <a:off x="914400" y="91440"/>
+            <a:ext cx="7315200" cy="3657600"/>
+          </a:xfrm>
+          <a:prstGeom prst="rect">
+            <a:avLst/>
+          </a:prstGeom>
+        </p:spPr>
+      </p:pic>
+    </p:spTree>
+  </p:cSld>
+  <p:clrMapOvr>
+    <a:masterClrMapping/>
+  </p:clrMapOvr>
+</p:sld>
+</file>
+
+<file path=ppt/slides/slide27.xml><?xml version="1.0" encoding="utf-8"?>
+<p:sld xmlns:a="http://schemas.openxmlformats.org/drawingml/2006/main" xmlns:p="http://schemas.openxmlformats.org/presentationml/2006/main" xmlns:r="http://schemas.openxmlformats.org/officeDocument/2006/relationships">
+  <p:cSld>
+    <p:spTree>
+      <p:nvGrpSpPr>
+        <p:cNvPr id="1" name=""/>
+        <p:cNvGrpSpPr/>
+        <p:nvPr/>
+      </p:nvGrpSpPr>
+      <p:grpSpPr/>
+      <p:graphicFrame>
+        <p:nvGraphicFramePr>
+          <p:cNvPr id="2" name="Table 1"/>
+          <p:cNvGraphicFramePr>
+            <a:graphicFrameLocks noGrp="1"/>
+          </p:cNvGraphicFramePr>
+          <p:nvPr/>
+        </p:nvGraphicFramePr>
+        <p:xfrm>
+          <a:off x="2743200" y="3931920"/>
+          <a:ext cx="3657600" cy="182880"/>
+        </p:xfrm>
+        <a:graphic>
+          <a:graphicData uri="http://schemas.openxmlformats.org/drawingml/2006/table">
+            <a:tbl>
+              <a:tblPr firstRow="1" bandRow="1">
+                <a:tableStyleId>{5C22544A-7EE6-4342-B048-85BDC9FD1C3A}</a:tableStyleId>
+              </a:tblPr>
+              <a:tblGrid>
+                <a:gridCol w="1828800"/>
+                <a:gridCol w="1828800"/>
+              </a:tblGrid>
+              <a:tr h="30480">
+                <a:tc>
+                  <a:txBody>
+                    <a:bodyPr/>
+                    <a:lstStyle/>
+                    <a:p>
+                      <a:r>
+                        <a:t>Frequency</a:t>
+                      </a:r>
+                    </a:p>
+                  </a:txBody>
+                  <a:tcPr/>
+                </a:tc>
+                <a:tc>
+                  <a:txBody>
+                    <a:bodyPr/>
+                    <a:lstStyle/>
+                    <a:p>
+                      <a:r>
                         <a:t>1957.5</a:t>
                       </a:r>
                     </a:p>
@@ -6688,7 +6986,7 @@
 </p:sld>
 </file>
 
-<file path=ppt/slides/slide27.xml><?xml version="1.0" encoding="utf-8"?>
+<file path=ppt/slides/slide28.xml><?xml version="1.0" encoding="utf-8"?>
 <p:sld xmlns:a="http://schemas.openxmlformats.org/drawingml/2006/main" xmlns:p="http://schemas.openxmlformats.org/presentationml/2006/main" xmlns:r="http://schemas.openxmlformats.org/officeDocument/2006/relationships">
   <p:cSld>
     <p:spTree>
